--- a/Stage-1_Project_Review-2.pptx
+++ b/Stage-1_Project_Review-2.pptx
@@ -47,6 +47,13 @@
       <p:bold r:id="rId33"/>
       <p:italic r:id="rId34"/>
       <p:boldItalic r:id="rId35"/>
+    </p:embeddedFont>
+    <p:embeddedFont>
+      <p:font typeface="Calibri" panose="020F0502020204030204" pitchFamily="34" charset="0"/>
+      <p:regular r:id="rId36"/>
+      <p:bold r:id="rId37"/>
+      <p:italic r:id="rId38"/>
+      <p:boldItalic r:id="rId39"/>
     </p:embeddedFont>
   </p:embeddedFontLst>
   <p:defaultTextStyle>
@@ -283,7 +290,7 @@
       <p15:sldGuideLst xmlns:p15="http://schemas.microsoft.com/office/powerpoint/2012/main"/>
     </p:ext>
     <p:ext uri="GoogleSlidesCustomDataVersion2">
-      <go:slidesCustomData xmlns="" xmlns:mc="http://schemas.openxmlformats.org/markup-compatibility/2006" xmlns:mv="urn:schemas-microsoft-com:mac:vml" xmlns:c="http://schemas.openxmlformats.org/drawingml/2006/chart" xmlns:dgm="http://schemas.openxmlformats.org/drawingml/2006/diagram" xmlns:o="urn:schemas-microsoft-com:office:office" xmlns:v="urn:schemas-microsoft-com:vml" xmlns:pvml="urn:schemas-microsoft-com:office:powerpoint" xmlns:com="http://schemas.openxmlformats.org/drawingml/2006/compatibility" xmlns:p14="http://schemas.microsoft.com/office/powerpoint/2010/main" xmlns:p15="http://schemas.microsoft.com/office/powerpoint/2012/main" xmlns:ahyp="http://schemas.microsoft.com/office/drawing/2018/hyperlinkcolor" xmlns:go="http://customooxmlschemas.google.com/" r:id="rId39" roundtripDataSignature="AMtx7miaxX87XbamThfgwH41GoZ3OSEiqQ=="/>
+      <go:slidesCustomData xmlns="" xmlns:mc="http://schemas.openxmlformats.org/markup-compatibility/2006" xmlns:mv="urn:schemas-microsoft-com:mac:vml" xmlns:c="http://schemas.openxmlformats.org/drawingml/2006/chart" xmlns:dgm="http://schemas.openxmlformats.org/drawingml/2006/diagram" xmlns:o="urn:schemas-microsoft-com:office:office" xmlns:v="urn:schemas-microsoft-com:vml" xmlns:pvml="urn:schemas-microsoft-com:office:powerpoint" xmlns:com="http://schemas.openxmlformats.org/drawingml/2006/compatibility" xmlns:p14="http://schemas.microsoft.com/office/powerpoint/2010/main" xmlns:p15="http://schemas.microsoft.com/office/powerpoint/2012/main" xmlns:ahyp="http://schemas.microsoft.com/office/drawing/2018/hyperlinkcolor" xmlns:go="http://customooxmlschemas.google.com/" r:id="rId40" roundtripDataSignature="AMtx7miaxX87XbamThfgwH41GoZ3OSEiqQ=="/>
     </p:ext>
   </p:extLst>
 </p:presentation>
@@ -503,6 +510,11 @@
         </p:txBody>
       </p:sp>
     </p:spTree>
+    <p:extLst>
+      <p:ext uri="{BB962C8B-B14F-4D97-AF65-F5344CB8AC3E}">
+        <p14:creationId xmlns:p14="http://schemas.microsoft.com/office/powerpoint/2010/main" val="622876009"/>
+      </p:ext>
+    </p:extLst>
   </p:cSld>
   <p:clrMap bg1="lt1" tx1="dk1" bg2="dk2" tx2="lt2" accent1="accent1" accent2="accent2" accent3="accent3" accent4="accent4" accent5="accent5" accent6="accent6" hlink="hlink" folHlink="folHlink"/>
   <p:notesStyle>
@@ -841,6 +853,11 @@
         </p:txBody>
       </p:sp>
     </p:spTree>
+    <p:extLst>
+      <p:ext uri="{BB962C8B-B14F-4D97-AF65-F5344CB8AC3E}">
+        <p14:creationId xmlns:p14="http://schemas.microsoft.com/office/powerpoint/2010/main" val="3639524330"/>
+      </p:ext>
+    </p:extLst>
   </p:cSld>
   <p:clrMapOvr>
     <a:masterClrMapping/>
@@ -952,6 +969,11 @@
         </p:txBody>
       </p:sp>
     </p:spTree>
+    <p:extLst>
+      <p:ext uri="{BB962C8B-B14F-4D97-AF65-F5344CB8AC3E}">
+        <p14:creationId xmlns:p14="http://schemas.microsoft.com/office/powerpoint/2010/main" val="1950166295"/>
+      </p:ext>
+    </p:extLst>
   </p:cSld>
   <p:clrMapOvr>
     <a:masterClrMapping/>
@@ -1063,6 +1085,11 @@
         </p:txBody>
       </p:sp>
     </p:spTree>
+    <p:extLst>
+      <p:ext uri="{BB962C8B-B14F-4D97-AF65-F5344CB8AC3E}">
+        <p14:creationId xmlns:p14="http://schemas.microsoft.com/office/powerpoint/2010/main" val="1189955804"/>
+      </p:ext>
+    </p:extLst>
   </p:cSld>
   <p:clrMapOvr>
     <a:masterClrMapping/>
@@ -1174,6 +1201,11 @@
         </p:txBody>
       </p:sp>
     </p:spTree>
+    <p:extLst>
+      <p:ext uri="{BB962C8B-B14F-4D97-AF65-F5344CB8AC3E}">
+        <p14:creationId xmlns:p14="http://schemas.microsoft.com/office/powerpoint/2010/main" val="1593877379"/>
+      </p:ext>
+    </p:extLst>
   </p:cSld>
   <p:clrMapOvr>
     <a:masterClrMapping/>
@@ -1285,6 +1317,11 @@
         </p:txBody>
       </p:sp>
     </p:spTree>
+    <p:extLst>
+      <p:ext uri="{BB962C8B-B14F-4D97-AF65-F5344CB8AC3E}">
+        <p14:creationId xmlns:p14="http://schemas.microsoft.com/office/powerpoint/2010/main" val="1670605836"/>
+      </p:ext>
+    </p:extLst>
   </p:cSld>
   <p:clrMapOvr>
     <a:masterClrMapping/>
@@ -1396,6 +1433,11 @@
         </p:txBody>
       </p:sp>
     </p:spTree>
+    <p:extLst>
+      <p:ext uri="{BB962C8B-B14F-4D97-AF65-F5344CB8AC3E}">
+        <p14:creationId xmlns:p14="http://schemas.microsoft.com/office/powerpoint/2010/main" val="2890135399"/>
+      </p:ext>
+    </p:extLst>
   </p:cSld>
   <p:clrMapOvr>
     <a:masterClrMapping/>
@@ -1507,6 +1549,11 @@
         </p:txBody>
       </p:sp>
     </p:spTree>
+    <p:extLst>
+      <p:ext uri="{BB962C8B-B14F-4D97-AF65-F5344CB8AC3E}">
+        <p14:creationId xmlns:p14="http://schemas.microsoft.com/office/powerpoint/2010/main" val="1956729160"/>
+      </p:ext>
+    </p:extLst>
   </p:cSld>
   <p:clrMapOvr>
     <a:masterClrMapping/>
@@ -1618,6 +1665,11 @@
         </p:txBody>
       </p:sp>
     </p:spTree>
+    <p:extLst>
+      <p:ext uri="{BB962C8B-B14F-4D97-AF65-F5344CB8AC3E}">
+        <p14:creationId xmlns:p14="http://schemas.microsoft.com/office/powerpoint/2010/main" val="90667063"/>
+      </p:ext>
+    </p:extLst>
   </p:cSld>
   <p:clrMapOvr>
     <a:masterClrMapping/>
@@ -1729,6 +1781,11 @@
         </p:txBody>
       </p:sp>
     </p:spTree>
+    <p:extLst>
+      <p:ext uri="{BB962C8B-B14F-4D97-AF65-F5344CB8AC3E}">
+        <p14:creationId xmlns:p14="http://schemas.microsoft.com/office/powerpoint/2010/main" val="1837880295"/>
+      </p:ext>
+    </p:extLst>
   </p:cSld>
   <p:clrMapOvr>
     <a:masterClrMapping/>
@@ -1840,6 +1897,11 @@
         </p:txBody>
       </p:sp>
     </p:spTree>
+    <p:extLst>
+      <p:ext uri="{BB962C8B-B14F-4D97-AF65-F5344CB8AC3E}">
+        <p14:creationId xmlns:p14="http://schemas.microsoft.com/office/powerpoint/2010/main" val="106899415"/>
+      </p:ext>
+    </p:extLst>
   </p:cSld>
   <p:clrMapOvr>
     <a:masterClrMapping/>
@@ -1914,8 +1976,8 @@
         </p:nvSpPr>
         <p:spPr>
           <a:xfrm>
-            <a:off x="1143225" y="685800"/>
-            <a:ext cx="4572225" cy="3429000"/>
+            <a:off x="381000" y="685800"/>
+            <a:ext cx="6096000" cy="3429000"/>
           </a:xfrm>
           <a:custGeom>
             <a:avLst/>
@@ -1951,6 +2013,11 @@
         </p:txBody>
       </p:sp>
     </p:spTree>
+    <p:extLst>
+      <p:ext uri="{BB962C8B-B14F-4D97-AF65-F5344CB8AC3E}">
+        <p14:creationId xmlns:p14="http://schemas.microsoft.com/office/powerpoint/2010/main" val="2929633472"/>
+      </p:ext>
+    </p:extLst>
   </p:cSld>
   <p:clrMapOvr>
     <a:masterClrMapping/>
@@ -2062,6 +2129,11 @@
         </p:txBody>
       </p:sp>
     </p:spTree>
+    <p:extLst>
+      <p:ext uri="{BB962C8B-B14F-4D97-AF65-F5344CB8AC3E}">
+        <p14:creationId xmlns:p14="http://schemas.microsoft.com/office/powerpoint/2010/main" val="3313917227"/>
+      </p:ext>
+    </p:extLst>
   </p:cSld>
   <p:clrMapOvr>
     <a:masterClrMapping/>
@@ -2173,6 +2245,11 @@
         </p:txBody>
       </p:sp>
     </p:spTree>
+    <p:extLst>
+      <p:ext uri="{BB962C8B-B14F-4D97-AF65-F5344CB8AC3E}">
+        <p14:creationId xmlns:p14="http://schemas.microsoft.com/office/powerpoint/2010/main" val="2436956773"/>
+      </p:ext>
+    </p:extLst>
   </p:cSld>
   <p:clrMapOvr>
     <a:masterClrMapping/>
@@ -2284,6 +2361,11 @@
         </p:txBody>
       </p:sp>
     </p:spTree>
+    <p:extLst>
+      <p:ext uri="{BB962C8B-B14F-4D97-AF65-F5344CB8AC3E}">
+        <p14:creationId xmlns:p14="http://schemas.microsoft.com/office/powerpoint/2010/main" val="2475073533"/>
+      </p:ext>
+    </p:extLst>
   </p:cSld>
   <p:clrMapOvr>
     <a:masterClrMapping/>
@@ -2358,8 +2440,8 @@
         </p:nvSpPr>
         <p:spPr>
           <a:xfrm>
-            <a:off x="1143225" y="685800"/>
-            <a:ext cx="4572225" cy="3429000"/>
+            <a:off x="381000" y="685800"/>
+            <a:ext cx="6096000" cy="3429000"/>
           </a:xfrm>
           <a:custGeom>
             <a:avLst/>
@@ -2395,6 +2477,11 @@
         </p:txBody>
       </p:sp>
     </p:spTree>
+    <p:extLst>
+      <p:ext uri="{BB962C8B-B14F-4D97-AF65-F5344CB8AC3E}">
+        <p14:creationId xmlns:p14="http://schemas.microsoft.com/office/powerpoint/2010/main" val="3941284822"/>
+      </p:ext>
+    </p:extLst>
   </p:cSld>
   <p:clrMapOvr>
     <a:masterClrMapping/>
@@ -2506,6 +2593,11 @@
         </p:txBody>
       </p:sp>
     </p:spTree>
+    <p:extLst>
+      <p:ext uri="{BB962C8B-B14F-4D97-AF65-F5344CB8AC3E}">
+        <p14:creationId xmlns:p14="http://schemas.microsoft.com/office/powerpoint/2010/main" val="1157562544"/>
+      </p:ext>
+    </p:extLst>
   </p:cSld>
   <p:clrMapOvr>
     <a:masterClrMapping/>
@@ -2617,6 +2709,11 @@
         </p:txBody>
       </p:sp>
     </p:spTree>
+    <p:extLst>
+      <p:ext uri="{BB962C8B-B14F-4D97-AF65-F5344CB8AC3E}">
+        <p14:creationId xmlns:p14="http://schemas.microsoft.com/office/powerpoint/2010/main" val="4218884021"/>
+      </p:ext>
+    </p:extLst>
   </p:cSld>
   <p:clrMapOvr>
     <a:masterClrMapping/>
@@ -2728,6 +2825,11 @@
         </p:txBody>
       </p:sp>
     </p:spTree>
+    <p:extLst>
+      <p:ext uri="{BB962C8B-B14F-4D97-AF65-F5344CB8AC3E}">
+        <p14:creationId xmlns:p14="http://schemas.microsoft.com/office/powerpoint/2010/main" val="1156584090"/>
+      </p:ext>
+    </p:extLst>
   </p:cSld>
   <p:clrMapOvr>
     <a:masterClrMapping/>
@@ -2839,6 +2941,11 @@
         </p:txBody>
       </p:sp>
     </p:spTree>
+    <p:extLst>
+      <p:ext uri="{BB962C8B-B14F-4D97-AF65-F5344CB8AC3E}">
+        <p14:creationId xmlns:p14="http://schemas.microsoft.com/office/powerpoint/2010/main" val="2024326513"/>
+      </p:ext>
+    </p:extLst>
   </p:cSld>
   <p:clrMapOvr>
     <a:masterClrMapping/>
@@ -2950,6 +3057,11 @@
         </p:txBody>
       </p:sp>
     </p:spTree>
+    <p:extLst>
+      <p:ext uri="{BB962C8B-B14F-4D97-AF65-F5344CB8AC3E}">
+        <p14:creationId xmlns:p14="http://schemas.microsoft.com/office/powerpoint/2010/main" val="3235263243"/>
+      </p:ext>
+    </p:extLst>
   </p:cSld>
   <p:clrMapOvr>
     <a:masterClrMapping/>
@@ -3061,6 +3173,11 @@
         </p:txBody>
       </p:sp>
     </p:spTree>
+    <p:extLst>
+      <p:ext uri="{BB962C8B-B14F-4D97-AF65-F5344CB8AC3E}">
+        <p14:creationId xmlns:p14="http://schemas.microsoft.com/office/powerpoint/2010/main" val="2515079193"/>
+      </p:ext>
+    </p:extLst>
   </p:cSld>
   <p:clrMapOvr>
     <a:masterClrMapping/>
@@ -3172,6 +3289,11 @@
         </p:txBody>
       </p:sp>
     </p:spTree>
+    <p:extLst>
+      <p:ext uri="{BB962C8B-B14F-4D97-AF65-F5344CB8AC3E}">
+        <p14:creationId xmlns:p14="http://schemas.microsoft.com/office/powerpoint/2010/main" val="2474077878"/>
+      </p:ext>
+    </p:extLst>
   </p:cSld>
   <p:clrMapOvr>
     <a:masterClrMapping/>
@@ -3283,6 +3405,11 @@
         </p:txBody>
       </p:sp>
     </p:spTree>
+    <p:extLst>
+      <p:ext uri="{BB962C8B-B14F-4D97-AF65-F5344CB8AC3E}">
+        <p14:creationId xmlns:p14="http://schemas.microsoft.com/office/powerpoint/2010/main" val="3971302248"/>
+      </p:ext>
+    </p:extLst>
   </p:cSld>
   <p:clrMapOvr>
     <a:masterClrMapping/>
@@ -3394,6 +3521,11 @@
         </p:txBody>
       </p:sp>
     </p:spTree>
+    <p:extLst>
+      <p:ext uri="{BB962C8B-B14F-4D97-AF65-F5344CB8AC3E}">
+        <p14:creationId xmlns:p14="http://schemas.microsoft.com/office/powerpoint/2010/main" val="3486832856"/>
+      </p:ext>
+    </p:extLst>
   </p:cSld>
   <p:clrMapOvr>
     <a:masterClrMapping/>
@@ -3505,6 +3637,11 @@
         </p:txBody>
       </p:sp>
     </p:spTree>
+    <p:extLst>
+      <p:ext uri="{BB962C8B-B14F-4D97-AF65-F5344CB8AC3E}">
+        <p14:creationId xmlns:p14="http://schemas.microsoft.com/office/powerpoint/2010/main" val="1108507368"/>
+      </p:ext>
+    </p:extLst>
   </p:cSld>
   <p:clrMapOvr>
     <a:masterClrMapping/>
@@ -3616,6 +3753,11 @@
         </p:txBody>
       </p:sp>
     </p:spTree>
+    <p:extLst>
+      <p:ext uri="{BB962C8B-B14F-4D97-AF65-F5344CB8AC3E}">
+        <p14:creationId xmlns:p14="http://schemas.microsoft.com/office/powerpoint/2010/main" val="2551988815"/>
+      </p:ext>
+    </p:extLst>
   </p:cSld>
   <p:clrMapOvr>
     <a:masterClrMapping/>
@@ -3727,6 +3869,11 @@
         </p:txBody>
       </p:sp>
     </p:spTree>
+    <p:extLst>
+      <p:ext uri="{BB962C8B-B14F-4D97-AF65-F5344CB8AC3E}">
+        <p14:creationId xmlns:p14="http://schemas.microsoft.com/office/powerpoint/2010/main" val="4163853893"/>
+      </p:ext>
+    </p:extLst>
   </p:cSld>
   <p:clrMapOvr>
     <a:masterClrMapping/>
@@ -3838,6 +3985,11 @@
         </p:txBody>
       </p:sp>
     </p:spTree>
+    <p:extLst>
+      <p:ext uri="{BB962C8B-B14F-4D97-AF65-F5344CB8AC3E}">
+        <p14:creationId xmlns:p14="http://schemas.microsoft.com/office/powerpoint/2010/main" val="1444091065"/>
+      </p:ext>
+    </p:extLst>
   </p:cSld>
   <p:clrMapOvr>
     <a:masterClrMapping/>
@@ -3949,6 +4101,11 @@
         </p:txBody>
       </p:sp>
     </p:spTree>
+    <p:extLst>
+      <p:ext uri="{BB962C8B-B14F-4D97-AF65-F5344CB8AC3E}">
+        <p14:creationId xmlns:p14="http://schemas.microsoft.com/office/powerpoint/2010/main" val="2893565054"/>
+      </p:ext>
+    </p:extLst>
   </p:cSld>
   <p:clrMapOvr>
     <a:masterClrMapping/>
@@ -14268,6 +14425,15 @@
                 <a:sym typeface="Times New Roman"/>
               </a:rPr>
             </a:br>
+            <a:r>
+              <a:rPr lang="en-US">
+                <a:latin typeface="Times New Roman"/>
+                <a:ea typeface="Times New Roman"/>
+                <a:cs typeface="Times New Roman"/>
+                <a:sym typeface="Times New Roman"/>
+              </a:rPr>
+              <a:t/>
+            </a:r>
             <a:br>
               <a:rPr lang="en-US">
                 <a:latin typeface="Times New Roman"/>
@@ -14335,6 +14501,15 @@
                 <a:sym typeface="Times New Roman"/>
               </a:rPr>
               <a:t>Project Stage-1</a:t>
+            </a:r>
+            <a:r>
+              <a:rPr lang="en-US" sz="3200">
+                <a:latin typeface="Times New Roman"/>
+                <a:ea typeface="Times New Roman"/>
+                <a:cs typeface="Times New Roman"/>
+                <a:sym typeface="Times New Roman"/>
+              </a:rPr>
+              <a:t/>
             </a:r>
             <a:br>
               <a:rPr lang="en-US" sz="3200">
@@ -15979,33 +16154,258 @@
         </p:spPr>
         <p:txBody>
           <a:bodyPr spcFirstLastPara="1" wrap="square" lIns="91425" tIns="45700" rIns="91425" bIns="45700" anchor="t" anchorCtr="0">
-            <a:normAutofit fontScale="92500" lnSpcReduction="10000"/>
+            <a:normAutofit fontScale="77500" lnSpcReduction="20000"/>
           </a:bodyPr>
           <a:lstStyle/>
           <a:p>
-            <a:pPr marL="228600" lvl="0" indent="-292100" algn="just" rtl="0">
-              <a:spcBef>
-                <a:spcPts val="0"/>
-              </a:spcBef>
-              <a:spcAft>
-                <a:spcPts val="0"/>
-              </a:spcAft>
+            <a:pPr marL="0" lvl="0" indent="0" algn="just">
+              <a:spcBef>
+                <a:spcPts val="0"/>
+              </a:spcBef>
               <a:buSzPts val="2800"/>
-              <a:buChar char="•"/>
+              <a:buNone/>
             </a:pPr>
             <a:r>
-              <a:rPr lang="en-US">
-                <a:latin typeface="Times New Roman"/>
-                <a:ea typeface="Times New Roman"/>
-                <a:cs typeface="Times New Roman"/>
-                <a:sym typeface="Times New Roman"/>
+              <a:rPr lang="en-US" dirty="0"/>
+              <a:t>• </a:t>
+            </a:r>
+            <a:r>
+              <a:rPr lang="en-US" dirty="0">
+                <a:latin typeface="Times New Roman" panose="02020603050405020304" pitchFamily="18" charset="0"/>
+                <a:cs typeface="Times New Roman" panose="02020603050405020304" pitchFamily="18" charset="0"/>
               </a:rPr>
-              <a:t>Limited adaptability to custom/org-specific protocols</a:t>
+              <a:t>Existing methods for </a:t>
             </a:r>
-            <a:endParaRPr>
-              <a:latin typeface="Times New Roman"/>
+            <a:r>
+              <a:rPr lang="en-US" b="1" dirty="0">
+                <a:latin typeface="Times New Roman" panose="02020603050405020304" pitchFamily="18" charset="0"/>
+                <a:cs typeface="Times New Roman" panose="02020603050405020304" pitchFamily="18" charset="0"/>
+              </a:rPr>
+              <a:t>cloud file storage and sharing</a:t>
+            </a:r>
+            <a:r>
+              <a:rPr lang="en-US" dirty="0">
+                <a:latin typeface="Times New Roman" panose="02020603050405020304" pitchFamily="18" charset="0"/>
+                <a:cs typeface="Times New Roman" panose="02020603050405020304" pitchFamily="18" charset="0"/>
+              </a:rPr>
+              <a:t> suffer from </a:t>
+            </a:r>
+            <a:r>
+              <a:rPr lang="en-US" b="1" dirty="0">
+                <a:latin typeface="Times New Roman" panose="02020603050405020304" pitchFamily="18" charset="0"/>
+                <a:cs typeface="Times New Roman" panose="02020603050405020304" pitchFamily="18" charset="0"/>
+              </a:rPr>
+              <a:t>weak data privacy</a:t>
+            </a:r>
+            <a:r>
+              <a:rPr lang="en-US" dirty="0">
+                <a:latin typeface="Times New Roman" panose="02020603050405020304" pitchFamily="18" charset="0"/>
+                <a:cs typeface="Times New Roman" panose="02020603050405020304" pitchFamily="18" charset="0"/>
+              </a:rPr>
+              <a:t>, </a:t>
+            </a:r>
+            <a:r>
+              <a:rPr lang="en-US" b="1" dirty="0">
+                <a:latin typeface="Times New Roman" panose="02020603050405020304" pitchFamily="18" charset="0"/>
+                <a:cs typeface="Times New Roman" panose="02020603050405020304" pitchFamily="18" charset="0"/>
+              </a:rPr>
+              <a:t>lack of end-to-end encryption</a:t>
+            </a:r>
+            <a:r>
+              <a:rPr lang="en-US" dirty="0">
+                <a:latin typeface="Times New Roman" panose="02020603050405020304" pitchFamily="18" charset="0"/>
+                <a:cs typeface="Times New Roman" panose="02020603050405020304" pitchFamily="18" charset="0"/>
+              </a:rPr>
+              <a:t>, and </a:t>
+            </a:r>
+            <a:r>
+              <a:rPr lang="en-US" b="1" dirty="0">
+                <a:latin typeface="Times New Roman" panose="02020603050405020304" pitchFamily="18" charset="0"/>
+                <a:cs typeface="Times New Roman" panose="02020603050405020304" pitchFamily="18" charset="0"/>
+              </a:rPr>
+              <a:t>dependence on third-party providers</a:t>
+            </a:r>
+            <a:r>
+              <a:rPr lang="en-US" dirty="0">
+                <a:latin typeface="Times New Roman" panose="02020603050405020304" pitchFamily="18" charset="0"/>
+                <a:cs typeface="Times New Roman" panose="02020603050405020304" pitchFamily="18" charset="0"/>
+              </a:rPr>
+              <a:t>.</a:t>
+            </a:r>
+            <a:br>
+              <a:rPr lang="en-US" dirty="0">
+                <a:latin typeface="Times New Roman" panose="02020603050405020304" pitchFamily="18" charset="0"/>
+                <a:cs typeface="Times New Roman" panose="02020603050405020304" pitchFamily="18" charset="0"/>
+              </a:rPr>
+            </a:br>
+            <a:r>
+              <a:rPr lang="en-US" dirty="0">
+                <a:latin typeface="Times New Roman" panose="02020603050405020304" pitchFamily="18" charset="0"/>
+                <a:cs typeface="Times New Roman" panose="02020603050405020304" pitchFamily="18" charset="0"/>
+              </a:rPr>
+              <a:t>• Most platforms </a:t>
+            </a:r>
+            <a:r>
+              <a:rPr lang="en-US" b="1" dirty="0">
+                <a:latin typeface="Times New Roman" panose="02020603050405020304" pitchFamily="18" charset="0"/>
+                <a:cs typeface="Times New Roman" panose="02020603050405020304" pitchFamily="18" charset="0"/>
+              </a:rPr>
+              <a:t>store encryption keys server-side</a:t>
+            </a:r>
+            <a:r>
+              <a:rPr lang="en-US" dirty="0">
+                <a:latin typeface="Times New Roman" panose="02020603050405020304" pitchFamily="18" charset="0"/>
+                <a:cs typeface="Times New Roman" panose="02020603050405020304" pitchFamily="18" charset="0"/>
+              </a:rPr>
+              <a:t>, reducing user control and exposing data to potential breaches.</a:t>
+            </a:r>
+            <a:br>
+              <a:rPr lang="en-US" dirty="0">
+                <a:latin typeface="Times New Roman" panose="02020603050405020304" pitchFamily="18" charset="0"/>
+                <a:cs typeface="Times New Roman" panose="02020603050405020304" pitchFamily="18" charset="0"/>
+              </a:rPr>
+            </a:br>
+            <a:r>
+              <a:rPr lang="en-US" dirty="0">
+                <a:latin typeface="Times New Roman" panose="02020603050405020304" pitchFamily="18" charset="0"/>
+                <a:cs typeface="Times New Roman" panose="02020603050405020304" pitchFamily="18" charset="0"/>
+              </a:rPr>
+              <a:t>• </a:t>
+            </a:r>
+            <a:r>
+              <a:rPr lang="en-US" b="1" dirty="0">
+                <a:latin typeface="Times New Roman" panose="02020603050405020304" pitchFamily="18" charset="0"/>
+                <a:cs typeface="Times New Roman" panose="02020603050405020304" pitchFamily="18" charset="0"/>
+              </a:rPr>
+              <a:t>High subscription costs</a:t>
+            </a:r>
+            <a:r>
+              <a:rPr lang="en-US" dirty="0">
+                <a:latin typeface="Times New Roman" panose="02020603050405020304" pitchFamily="18" charset="0"/>
+                <a:cs typeface="Times New Roman" panose="02020603050405020304" pitchFamily="18" charset="0"/>
+              </a:rPr>
+              <a:t> and </a:t>
+            </a:r>
+            <a:r>
+              <a:rPr lang="en-US" b="1" dirty="0">
+                <a:latin typeface="Times New Roman" panose="02020603050405020304" pitchFamily="18" charset="0"/>
+                <a:cs typeface="Times New Roman" panose="02020603050405020304" pitchFamily="18" charset="0"/>
+              </a:rPr>
+              <a:t>limited free storage</a:t>
+            </a:r>
+            <a:r>
+              <a:rPr lang="en-US" dirty="0">
+                <a:latin typeface="Times New Roman" panose="02020603050405020304" pitchFamily="18" charset="0"/>
+                <a:cs typeface="Times New Roman" panose="02020603050405020304" pitchFamily="18" charset="0"/>
+              </a:rPr>
+              <a:t> make enterprise-grade security inaccessible to students and small organizations.</a:t>
+            </a:r>
+            <a:br>
+              <a:rPr lang="en-US" dirty="0">
+                <a:latin typeface="Times New Roman" panose="02020603050405020304" pitchFamily="18" charset="0"/>
+                <a:cs typeface="Times New Roman" panose="02020603050405020304" pitchFamily="18" charset="0"/>
+              </a:rPr>
+            </a:br>
+            <a:r>
+              <a:rPr lang="en-US" dirty="0">
+                <a:latin typeface="Times New Roman" panose="02020603050405020304" pitchFamily="18" charset="0"/>
+                <a:cs typeface="Times New Roman" panose="02020603050405020304" pitchFamily="18" charset="0"/>
+              </a:rPr>
+              <a:t>• Existing systems offer </a:t>
+            </a:r>
+            <a:r>
+              <a:rPr lang="en-US" b="1" dirty="0">
+                <a:latin typeface="Times New Roman" panose="02020603050405020304" pitchFamily="18" charset="0"/>
+                <a:cs typeface="Times New Roman" panose="02020603050405020304" pitchFamily="18" charset="0"/>
+              </a:rPr>
+              <a:t>limited transparency</a:t>
+            </a:r>
+            <a:r>
+              <a:rPr lang="en-US" dirty="0">
+                <a:latin typeface="Times New Roman" panose="02020603050405020304" pitchFamily="18" charset="0"/>
+                <a:cs typeface="Times New Roman" panose="02020603050405020304" pitchFamily="18" charset="0"/>
+              </a:rPr>
+              <a:t> and </a:t>
+            </a:r>
+            <a:r>
+              <a:rPr lang="en-US" b="1" dirty="0">
+                <a:latin typeface="Times New Roman" panose="02020603050405020304" pitchFamily="18" charset="0"/>
+                <a:cs typeface="Times New Roman" panose="02020603050405020304" pitchFamily="18" charset="0"/>
+              </a:rPr>
+              <a:t>weak user control</a:t>
+            </a:r>
+            <a:r>
+              <a:rPr lang="en-US" dirty="0">
+                <a:latin typeface="Times New Roman" panose="02020603050405020304" pitchFamily="18" charset="0"/>
+                <a:cs typeface="Times New Roman" panose="02020603050405020304" pitchFamily="18" charset="0"/>
+              </a:rPr>
+              <a:t> over shared files and access permissions.</a:t>
+            </a:r>
+            <a:br>
+              <a:rPr lang="en-US" dirty="0">
+                <a:latin typeface="Times New Roman" panose="02020603050405020304" pitchFamily="18" charset="0"/>
+                <a:cs typeface="Times New Roman" panose="02020603050405020304" pitchFamily="18" charset="0"/>
+              </a:rPr>
+            </a:br>
+            <a:r>
+              <a:rPr lang="en-US" dirty="0">
+                <a:latin typeface="Times New Roman" panose="02020603050405020304" pitchFamily="18" charset="0"/>
+                <a:cs typeface="Times New Roman" panose="02020603050405020304" pitchFamily="18" charset="0"/>
+              </a:rPr>
+              <a:t>• Many platforms </a:t>
+            </a:r>
+            <a:r>
+              <a:rPr lang="en-US" b="1" dirty="0">
+                <a:latin typeface="Times New Roman" panose="02020603050405020304" pitchFamily="18" charset="0"/>
+                <a:cs typeface="Times New Roman" panose="02020603050405020304" pitchFamily="18" charset="0"/>
+              </a:rPr>
+              <a:t>lack efficient encryption–decryption mechanisms</a:t>
+            </a:r>
+            <a:r>
+              <a:rPr lang="en-US" dirty="0">
+                <a:latin typeface="Times New Roman" panose="02020603050405020304" pitchFamily="18" charset="0"/>
+                <a:cs typeface="Times New Roman" panose="02020603050405020304" pitchFamily="18" charset="0"/>
+              </a:rPr>
+              <a:t>, leading to slower performance and resource overhead.</a:t>
+            </a:r>
+            <a:br>
+              <a:rPr lang="en-US" dirty="0">
+                <a:latin typeface="Times New Roman" panose="02020603050405020304" pitchFamily="18" charset="0"/>
+                <a:cs typeface="Times New Roman" panose="02020603050405020304" pitchFamily="18" charset="0"/>
+              </a:rPr>
+            </a:br>
+            <a:r>
+              <a:rPr lang="en-US" dirty="0">
+                <a:latin typeface="Times New Roman" panose="02020603050405020304" pitchFamily="18" charset="0"/>
+                <a:cs typeface="Times New Roman" panose="02020603050405020304" pitchFamily="18" charset="0"/>
+              </a:rPr>
+              <a:t>• User interfaces are often </a:t>
+            </a:r>
+            <a:r>
+              <a:rPr lang="en-US" b="1" dirty="0">
+                <a:latin typeface="Times New Roman" panose="02020603050405020304" pitchFamily="18" charset="0"/>
+                <a:cs typeface="Times New Roman" panose="02020603050405020304" pitchFamily="18" charset="0"/>
+              </a:rPr>
+              <a:t>complex or inconsistent</a:t>
+            </a:r>
+            <a:r>
+              <a:rPr lang="en-US" dirty="0">
+                <a:latin typeface="Times New Roman" panose="02020603050405020304" pitchFamily="18" charset="0"/>
+                <a:cs typeface="Times New Roman" panose="02020603050405020304" pitchFamily="18" charset="0"/>
+              </a:rPr>
+              <a:t>, making secure sharing difficult for non-technical users</a:t>
+            </a:r>
+            <a:r>
+              <a:rPr lang="en-US" dirty="0" smtClean="0">
+                <a:latin typeface="Times New Roman" panose="02020603050405020304" pitchFamily="18" charset="0"/>
+                <a:cs typeface="Times New Roman" panose="02020603050405020304" pitchFamily="18" charset="0"/>
+              </a:rPr>
+              <a:t>.</a:t>
+            </a:r>
+            <a:endParaRPr dirty="0">
+              <a:latin typeface="Times New Roman" panose="02020603050405020304" pitchFamily="18" charset="0"/>
               <a:ea typeface="Times New Roman"/>
-              <a:cs typeface="Times New Roman"/>
+              <a:cs typeface="Times New Roman" panose="02020603050405020304" pitchFamily="18" charset="0"/>
               <a:sym typeface="Times New Roman"/>
             </a:endParaRPr>
           </a:p>
@@ -16021,247 +16421,54 @@
               <a:buChar char="•"/>
             </a:pPr>
             <a:r>
-              <a:rPr lang="en-US">
-                <a:latin typeface="Times New Roman"/>
+              <a:rPr lang="en-US" b="1" dirty="0">
+                <a:latin typeface="Times New Roman" panose="02020603050405020304" pitchFamily="18" charset="0"/>
                 <a:ea typeface="Times New Roman"/>
-                <a:cs typeface="Times New Roman"/>
+                <a:cs typeface="Times New Roman" panose="02020603050405020304" pitchFamily="18" charset="0"/>
                 <a:sym typeface="Times New Roman"/>
               </a:rPr>
-              <a:t>High cost &amp; heavy resource usage for enterprise tools</a:t>
+              <a:t>Example:</a:t>
             </a:r>
-            <a:endParaRPr>
-              <a:latin typeface="Times New Roman"/>
+            <a:endParaRPr b="1" dirty="0">
+              <a:latin typeface="Times New Roman" panose="02020603050405020304" pitchFamily="18" charset="0"/>
               <a:ea typeface="Times New Roman"/>
-              <a:cs typeface="Times New Roman"/>
+              <a:cs typeface="Times New Roman" panose="02020603050405020304" pitchFamily="18" charset="0"/>
               <a:sym typeface="Times New Roman"/>
             </a:endParaRPr>
           </a:p>
           <a:p>
-            <a:pPr marL="228600" lvl="0" indent="-292100" algn="just" rtl="0">
-              <a:spcBef>
-                <a:spcPts val="0"/>
-              </a:spcBef>
-              <a:spcAft>
-                <a:spcPts val="0"/>
-              </a:spcAft>
-              <a:buSzPts val="2800"/>
-              <a:buChar char="•"/>
+            <a:pPr marL="228600" lvl="0" indent="0" algn="just">
+              <a:spcBef>
+                <a:spcPts val="0"/>
+              </a:spcBef>
+              <a:buNone/>
             </a:pPr>
             <a:r>
-              <a:rPr lang="en-US">
-                <a:latin typeface="Times New Roman"/>
-                <a:ea typeface="Times New Roman"/>
-                <a:cs typeface="Times New Roman"/>
-                <a:sym typeface="Times New Roman"/>
+              <a:rPr lang="en-US" dirty="0">
+                <a:latin typeface="Times New Roman" panose="02020603050405020304" pitchFamily="18" charset="0"/>
+                <a:cs typeface="Times New Roman" panose="02020603050405020304" pitchFamily="18" charset="0"/>
               </a:rPr>
-              <a:t>High false positives; weak risk-based prioritization</a:t>
+              <a:t>Existing methods for secure cloud storage suffer from </a:t>
             </a:r>
-            <a:endParaRPr>
-              <a:latin typeface="Times New Roman"/>
-              <a:ea typeface="Times New Roman"/>
-              <a:cs typeface="Times New Roman"/>
-              <a:sym typeface="Times New Roman"/>
-            </a:endParaRPr>
-          </a:p>
-          <a:p>
-            <a:pPr marL="228600" lvl="0" indent="-292100" algn="just" rtl="0">
-              <a:spcBef>
-                <a:spcPts val="0"/>
-              </a:spcBef>
-              <a:spcAft>
-                <a:spcPts val="0"/>
-              </a:spcAft>
-              <a:buSzPts val="2800"/>
-              <a:buChar char="•"/>
-            </a:pPr>
             <a:r>
-              <a:rPr lang="en-US">
-                <a:latin typeface="Times New Roman"/>
-                <a:ea typeface="Times New Roman"/>
-                <a:cs typeface="Times New Roman"/>
-                <a:sym typeface="Times New Roman"/>
+              <a:rPr lang="en-US" b="1" dirty="0">
+                <a:latin typeface="Times New Roman" panose="02020603050405020304" pitchFamily="18" charset="0"/>
+                <a:cs typeface="Times New Roman" panose="02020603050405020304" pitchFamily="18" charset="0"/>
               </a:rPr>
-              <a:t>Limited real-time and scalable scanning on large, dynamic networks</a:t>
+              <a:t>limited user control, lack of true end-to-end encryption, and high operational costs</a:t>
             </a:r>
-            <a:endParaRPr>
-              <a:latin typeface="Times New Roman"/>
-              <a:ea typeface="Times New Roman"/>
-              <a:cs typeface="Times New Roman"/>
-              <a:sym typeface="Times New Roman"/>
-            </a:endParaRPr>
-          </a:p>
-          <a:p>
-            <a:pPr marL="228600" lvl="0" indent="-292100" algn="just" rtl="0">
-              <a:spcBef>
-                <a:spcPts val="0"/>
-              </a:spcBef>
-              <a:spcAft>
-                <a:spcPts val="0"/>
-              </a:spcAft>
-              <a:buSzPts val="2800"/>
-              <a:buChar char="•"/>
-            </a:pPr>
             <a:r>
-              <a:rPr lang="en-US">
-                <a:latin typeface="Times New Roman"/>
-                <a:ea typeface="Times New Roman"/>
-                <a:cs typeface="Times New Roman"/>
-                <a:sym typeface="Times New Roman"/>
+              <a:rPr lang="en-US" dirty="0">
+                <a:latin typeface="Times New Roman" panose="02020603050405020304" pitchFamily="18" charset="0"/>
+                <a:cs typeface="Times New Roman" panose="02020603050405020304" pitchFamily="18" charset="0"/>
               </a:rPr>
-              <a:t>Dependence on specialized/programmable infrastructure</a:t>
+              <a:t>, making them unsuitable for privacy-focused and cost-sensitive environment</a:t>
             </a:r>
-            <a:endParaRPr>
-              <a:latin typeface="Times New Roman"/>
-              <a:ea typeface="Times New Roman"/>
-              <a:cs typeface="Times New Roman"/>
-              <a:sym typeface="Times New Roman"/>
-            </a:endParaRPr>
-          </a:p>
-          <a:p>
-            <a:pPr marL="228600" lvl="0" indent="-292100" algn="just" rtl="0">
-              <a:spcBef>
-                <a:spcPts val="0"/>
-              </a:spcBef>
-              <a:spcAft>
-                <a:spcPts val="0"/>
-              </a:spcAft>
-              <a:buSzPts val="2800"/>
-              <a:buChar char="•"/>
-            </a:pPr>
             <a:r>
-              <a:rPr lang="en-US">
-                <a:latin typeface="Times New Roman"/>
-                <a:ea typeface="Times New Roman"/>
-                <a:cs typeface="Times New Roman"/>
-                <a:sym typeface="Times New Roman"/>
-              </a:rPr>
-              <a:t>Poor coverage for IoT/5G and hybrid cloud environments</a:t>
+              <a:rPr lang="en-US" dirty="0"/>
+              <a:t>s.</a:t>
             </a:r>
-            <a:endParaRPr>
-              <a:latin typeface="Times New Roman"/>
-              <a:ea typeface="Times New Roman"/>
-              <a:cs typeface="Times New Roman"/>
-              <a:sym typeface="Times New Roman"/>
-            </a:endParaRPr>
-          </a:p>
-          <a:p>
-            <a:pPr marL="228600" lvl="0" indent="-292100" algn="just" rtl="0">
-              <a:spcBef>
-                <a:spcPts val="0"/>
-              </a:spcBef>
-              <a:spcAft>
-                <a:spcPts val="0"/>
-              </a:spcAft>
-              <a:buSzPts val="2800"/>
-              <a:buChar char="•"/>
-            </a:pPr>
-            <a:r>
-              <a:rPr lang="en-US">
-                <a:latin typeface="Times New Roman"/>
-                <a:ea typeface="Times New Roman"/>
-                <a:cs typeface="Times New Roman"/>
-                <a:sym typeface="Times New Roman"/>
-              </a:rPr>
-              <a:t>Complex UIs; steep learning curve for non-experts</a:t>
-            </a:r>
-            <a:endParaRPr>
-              <a:latin typeface="Times New Roman"/>
-              <a:ea typeface="Times New Roman"/>
-              <a:cs typeface="Times New Roman"/>
-              <a:sym typeface="Times New Roman"/>
-            </a:endParaRPr>
-          </a:p>
-          <a:p>
-            <a:pPr marL="228600" lvl="0" indent="-292100" algn="just" rtl="0">
-              <a:spcBef>
-                <a:spcPts val="0"/>
-              </a:spcBef>
-              <a:spcAft>
-                <a:spcPts val="0"/>
-              </a:spcAft>
-              <a:buSzPts val="2800"/>
-              <a:buChar char="•"/>
-            </a:pPr>
-            <a:r>
-              <a:rPr lang="en-US">
-                <a:latin typeface="Times New Roman"/>
-                <a:ea typeface="Times New Roman"/>
-                <a:cs typeface="Times New Roman"/>
-                <a:sym typeface="Times New Roman"/>
-              </a:rPr>
-              <a:t>Fragmented tooling; weak automation/orchestration</a:t>
-            </a:r>
-            <a:endParaRPr>
-              <a:latin typeface="Times New Roman"/>
-              <a:ea typeface="Times New Roman"/>
-              <a:cs typeface="Times New Roman"/>
-              <a:sym typeface="Times New Roman"/>
-            </a:endParaRPr>
-          </a:p>
-          <a:p>
-            <a:pPr marL="0" lvl="0" indent="0" algn="just" rtl="0">
-              <a:spcBef>
-                <a:spcPts val="0"/>
-              </a:spcBef>
-              <a:spcAft>
-                <a:spcPts val="0"/>
-              </a:spcAft>
-              <a:buNone/>
-            </a:pPr>
-            <a:endParaRPr>
-              <a:latin typeface="Times New Roman"/>
-              <a:ea typeface="Times New Roman"/>
-              <a:cs typeface="Times New Roman"/>
-              <a:sym typeface="Times New Roman"/>
-            </a:endParaRPr>
-          </a:p>
-          <a:p>
-            <a:pPr marL="228600" lvl="0" indent="-292100" algn="just" rtl="0">
-              <a:spcBef>
-                <a:spcPts val="0"/>
-              </a:spcBef>
-              <a:spcAft>
-                <a:spcPts val="0"/>
-              </a:spcAft>
-              <a:buSzPts val="2800"/>
-              <a:buChar char="•"/>
-            </a:pPr>
-            <a:r>
-              <a:rPr lang="en-US" b="1">
-                <a:latin typeface="Times New Roman"/>
-                <a:ea typeface="Times New Roman"/>
-                <a:cs typeface="Times New Roman"/>
-                <a:sym typeface="Times New Roman"/>
-              </a:rPr>
-              <a:t>Example:</a:t>
-            </a:r>
-            <a:endParaRPr b="1">
-              <a:latin typeface="Times New Roman"/>
-              <a:ea typeface="Times New Roman"/>
-              <a:cs typeface="Times New Roman"/>
-              <a:sym typeface="Times New Roman"/>
-            </a:endParaRPr>
-          </a:p>
-          <a:p>
-            <a:pPr marL="228600" lvl="0" indent="0" algn="just" rtl="0">
-              <a:spcBef>
-                <a:spcPts val="0"/>
-              </a:spcBef>
-              <a:spcAft>
-                <a:spcPts val="0"/>
-              </a:spcAft>
-              <a:buNone/>
-            </a:pPr>
-            <a:r>
-              <a:rPr lang="en-US">
-                <a:latin typeface="Times New Roman"/>
-                <a:ea typeface="Times New Roman"/>
-                <a:cs typeface="Times New Roman"/>
-                <a:sym typeface="Times New Roman"/>
-              </a:rPr>
-              <a:t>Existing methods for network vulnerability scanning suffer from high false positives, poor scalability in large hybrid networks, and limited support for custom protocols.</a:t>
-            </a:r>
-            <a:endParaRPr>
+            <a:endParaRPr dirty="0">
               <a:latin typeface="Times New Roman"/>
               <a:ea typeface="Times New Roman"/>
               <a:cs typeface="Times New Roman"/>
@@ -16394,7 +16601,7 @@
               <a:buChar char="•"/>
             </a:pPr>
             <a:r>
-              <a:rPr lang="en-US">
+              <a:rPr lang="en-US" dirty="0">
                 <a:latin typeface="Times New Roman"/>
                 <a:ea typeface="Times New Roman"/>
                 <a:cs typeface="Times New Roman"/>
@@ -16402,7 +16609,7 @@
               </a:rPr>
               <a:t>Current network vulnerability scanners are often complex, expensive, and inflexible, making them unsuitable for organizations that require lightweight, customizable, and scalable security solutions.</a:t>
             </a:r>
-            <a:endParaRPr>
+            <a:endParaRPr dirty="0">
               <a:latin typeface="Times New Roman"/>
               <a:ea typeface="Times New Roman"/>
               <a:cs typeface="Times New Roman"/>
@@ -16421,7 +16628,7 @@
               <a:buChar char="•"/>
             </a:pPr>
             <a:r>
-              <a:rPr lang="en-US">
+              <a:rPr lang="en-US" dirty="0">
                 <a:latin typeface="Times New Roman"/>
                 <a:ea typeface="Times New Roman"/>
                 <a:cs typeface="Times New Roman"/>
@@ -16429,7 +16636,7 @@
               </a:rPr>
               <a:t>They also lack support for custom protocols, produce high false positives, and are difficult to deploy in hybrid or resource-limited environments.</a:t>
             </a:r>
-            <a:endParaRPr>
+            <a:endParaRPr dirty="0">
               <a:latin typeface="Times New Roman"/>
               <a:ea typeface="Times New Roman"/>
               <a:cs typeface="Times New Roman"/>
@@ -16446,7 +16653,7 @@
               </a:spcAft>
               <a:buNone/>
             </a:pPr>
-            <a:endParaRPr b="1">
+            <a:endParaRPr b="1" dirty="0">
               <a:latin typeface="Times New Roman"/>
               <a:ea typeface="Times New Roman"/>
               <a:cs typeface="Times New Roman"/>
@@ -16465,7 +16672,7 @@
               <a:buChar char="•"/>
             </a:pPr>
             <a:r>
-              <a:rPr lang="en-US" b="1">
+              <a:rPr lang="en-US" b="1" dirty="0">
                 <a:latin typeface="Times New Roman"/>
                 <a:ea typeface="Times New Roman"/>
                 <a:cs typeface="Times New Roman"/>
@@ -16473,7 +16680,7 @@
               </a:rPr>
               <a:t>Example:</a:t>
             </a:r>
-            <a:endParaRPr b="1">
+            <a:endParaRPr b="1" dirty="0">
               <a:latin typeface="Times New Roman"/>
               <a:ea typeface="Times New Roman"/>
               <a:cs typeface="Times New Roman"/>
@@ -16491,7 +16698,7 @@
               <a:buNone/>
             </a:pPr>
             <a:r>
-              <a:rPr lang="en-US">
+              <a:rPr lang="en-US" dirty="0">
                 <a:latin typeface="Times New Roman"/>
                 <a:ea typeface="Times New Roman"/>
                 <a:cs typeface="Times New Roman"/>
@@ -16499,7 +16706,7 @@
               </a:rPr>
               <a:t>“To address the limitations of existing approaches, this project proposes to develop a lightweight, customizable, and scalable network vulnerability scanner to overcome cost, complexity, and adaptability challenges, and achieve fast, accurate, and user-friendly vulnerability detection.”</a:t>
             </a:r>
-            <a:endParaRPr>
+            <a:endParaRPr dirty="0">
               <a:latin typeface="Times New Roman"/>
               <a:ea typeface="Times New Roman"/>
               <a:cs typeface="Times New Roman"/>
@@ -16636,7 +16843,7 @@
               <a:buNone/>
             </a:pPr>
             <a:r>
-              <a:rPr lang="en-US" b="1">
+              <a:rPr lang="en-US" b="1" dirty="0" smtClean="0">
                 <a:latin typeface="Times New Roman"/>
                 <a:ea typeface="Times New Roman"/>
                 <a:cs typeface="Times New Roman"/>
@@ -16645,7 +16852,7 @@
               <a:t>Methodology 1: </a:t>
             </a:r>
             <a:r>
-              <a:rPr lang="en-US">
+              <a:rPr lang="en-US" dirty="0" err="1" smtClean="0">
                 <a:latin typeface="Times New Roman"/>
                 <a:ea typeface="Times New Roman"/>
                 <a:cs typeface="Times New Roman"/>
@@ -16653,7 +16860,111 @@
               </a:rPr>
               <a:t>Nmap</a:t>
             </a:r>
-            <a:endParaRPr>
+            <a:endParaRPr dirty="0" smtClean="0">
+              <a:latin typeface="Times New Roman"/>
+              <a:ea typeface="Times New Roman"/>
+              <a:cs typeface="Times New Roman"/>
+              <a:sym typeface="Times New Roman"/>
+            </a:endParaRPr>
+          </a:p>
+          <a:p>
+            <a:pPr marL="0" lvl="0" indent="0" algn="just">
+              <a:buSzPts val="1100"/>
+              <a:buNone/>
+            </a:pPr>
+            <a:r>
+              <a:rPr lang="en-US" b="1" dirty="0" smtClean="0">
+                <a:latin typeface="Times New Roman"/>
+                <a:ea typeface="Times New Roman"/>
+                <a:cs typeface="Times New Roman"/>
+                <a:sym typeface="Times New Roman"/>
+              </a:rPr>
+              <a:t>How it works: </a:t>
+            </a:r>
+            <a:r>
+              <a:rPr lang="en-US" dirty="0" smtClean="0">
+                <a:latin typeface="Times New Roman" panose="02020603050405020304" pitchFamily="18" charset="0"/>
+                <a:cs typeface="Times New Roman" panose="02020603050405020304" pitchFamily="18" charset="0"/>
+              </a:rPr>
+              <a:t>Files are uploaded to provider-managed servers; access controlled via user accounts and provider-side permissions; sharing uses links or email invites.</a:t>
+            </a:r>
+            <a:endParaRPr b="1" dirty="0" smtClean="0">
+              <a:latin typeface="Times New Roman" panose="02020603050405020304" pitchFamily="18" charset="0"/>
+              <a:ea typeface="Times New Roman"/>
+              <a:cs typeface="Times New Roman" panose="02020603050405020304" pitchFamily="18" charset="0"/>
+              <a:sym typeface="Times New Roman"/>
+            </a:endParaRPr>
+          </a:p>
+          <a:p>
+            <a:pPr marL="0" lvl="0" indent="0" algn="just">
+              <a:buSzPts val="1100"/>
+              <a:buNone/>
+            </a:pPr>
+            <a:r>
+              <a:rPr lang="en-US" b="1" dirty="0" smtClean="0">
+                <a:latin typeface="Times New Roman"/>
+                <a:ea typeface="Times New Roman"/>
+                <a:cs typeface="Times New Roman"/>
+                <a:sym typeface="Times New Roman"/>
+              </a:rPr>
+              <a:t>Why it's insufficient: </a:t>
+            </a:r>
+            <a:r>
+              <a:rPr lang="en-US" dirty="0">
+                <a:latin typeface="Times New Roman" panose="02020603050405020304" pitchFamily="18" charset="0"/>
+                <a:cs typeface="Times New Roman" panose="02020603050405020304" pitchFamily="18" charset="0"/>
+              </a:rPr>
+              <a:t>Provider holds encryption keys and metadata (limited user control); privacy depends on provider policies; ongoing subscription or storage costs and potential vendor lock-in.</a:t>
+            </a:r>
+            <a:endParaRPr dirty="0" smtClean="0">
+              <a:latin typeface="Times New Roman" panose="02020603050405020304" pitchFamily="18" charset="0"/>
+              <a:ea typeface="Times New Roman"/>
+              <a:cs typeface="Times New Roman" panose="02020603050405020304" pitchFamily="18" charset="0"/>
+              <a:sym typeface="Times New Roman"/>
+            </a:endParaRPr>
+          </a:p>
+          <a:p>
+            <a:pPr marL="0" lvl="0" indent="0" algn="just" rtl="0">
+              <a:spcBef>
+                <a:spcPts val="1000"/>
+              </a:spcBef>
+              <a:spcAft>
+                <a:spcPts val="0"/>
+              </a:spcAft>
+              <a:buClr>
+                <a:schemeClr val="dk1"/>
+              </a:buClr>
+              <a:buSzPts val="1100"/>
+              <a:buNone/>
+            </a:pPr>
+            <a:r>
+              <a:rPr lang="en-US" b="1" dirty="0" smtClean="0">
+                <a:latin typeface="Times New Roman"/>
+                <a:ea typeface="Times New Roman"/>
+                <a:cs typeface="Times New Roman"/>
+                <a:sym typeface="Times New Roman"/>
+              </a:rPr>
+              <a:t>Methodology </a:t>
+            </a:r>
+            <a:r>
+              <a:rPr lang="en-US" b="1" dirty="0">
+                <a:latin typeface="Times New Roman"/>
+                <a:ea typeface="Times New Roman"/>
+                <a:cs typeface="Times New Roman"/>
+                <a:sym typeface="Times New Roman"/>
+              </a:rPr>
+              <a:t>2:</a:t>
+            </a:r>
+            <a:r>
+              <a:rPr lang="en-US" dirty="0">
+                <a:latin typeface="Times New Roman"/>
+                <a:ea typeface="Times New Roman"/>
+                <a:cs typeface="Times New Roman"/>
+                <a:sym typeface="Times New Roman"/>
+              </a:rPr>
+              <a:t> Nessus</a:t>
+            </a:r>
+            <a:endParaRPr dirty="0">
               <a:latin typeface="Times New Roman"/>
               <a:ea typeface="Times New Roman"/>
               <a:cs typeface="Times New Roman"/>
@@ -16672,28 +16983,27 @@
                 <a:schemeClr val="dk1"/>
               </a:buClr>
               <a:buSzPts val="1100"/>
-              <a:buFont typeface="Arial"/>
               <a:buNone/>
             </a:pPr>
             <a:r>
-              <a:rPr lang="en-US" b="1">
+              <a:rPr lang="en-US" b="1" dirty="0">
                 <a:latin typeface="Times New Roman"/>
                 <a:ea typeface="Times New Roman"/>
                 <a:cs typeface="Times New Roman"/>
                 <a:sym typeface="Times New Roman"/>
               </a:rPr>
-              <a:t>How it works: </a:t>
+              <a:t>How it works:</a:t>
             </a:r>
             <a:r>
-              <a:rPr lang="en-US">
+              <a:rPr lang="en-US" dirty="0">
                 <a:latin typeface="Times New Roman"/>
                 <a:ea typeface="Times New Roman"/>
                 <a:cs typeface="Times New Roman"/>
                 <a:sym typeface="Times New Roman"/>
               </a:rPr>
-              <a:t>Uses port scanning and OS detection techniques to identify open ports and running services.</a:t>
+              <a:t> Enterprise-grade vulnerability scanner with a large plugin database and risk scoring.</a:t>
             </a:r>
-            <a:endParaRPr b="1">
+            <a:endParaRPr dirty="0">
               <a:latin typeface="Times New Roman"/>
               <a:ea typeface="Times New Roman"/>
               <a:cs typeface="Times New Roman"/>
@@ -16715,145 +17025,7 @@
               <a:buNone/>
             </a:pPr>
             <a:r>
-              <a:rPr lang="en-US" b="1">
-                <a:latin typeface="Times New Roman"/>
-                <a:ea typeface="Times New Roman"/>
-                <a:cs typeface="Times New Roman"/>
-                <a:sym typeface="Times New Roman"/>
-              </a:rPr>
-              <a:t>Why it's insufficient: </a:t>
-            </a:r>
-            <a:r>
-              <a:rPr lang="en-US">
-                <a:latin typeface="Times New Roman"/>
-                <a:ea typeface="Times New Roman"/>
-                <a:cs typeface="Times New Roman"/>
-                <a:sym typeface="Times New Roman"/>
-              </a:rPr>
-              <a:t>Single-core scanning is slow on large networks; lacks advanced vulnerability detection and risk prioritization.</a:t>
-            </a:r>
-            <a:endParaRPr>
-              <a:latin typeface="Times New Roman"/>
-              <a:ea typeface="Times New Roman"/>
-              <a:cs typeface="Times New Roman"/>
-              <a:sym typeface="Times New Roman"/>
-            </a:endParaRPr>
-          </a:p>
-          <a:p>
-            <a:pPr marL="0" lvl="0" indent="0" algn="just" rtl="0">
-              <a:spcBef>
-                <a:spcPts val="1000"/>
-              </a:spcBef>
-              <a:spcAft>
-                <a:spcPts val="0"/>
-              </a:spcAft>
-              <a:buClr>
-                <a:schemeClr val="dk1"/>
-              </a:buClr>
-              <a:buSzPts val="1100"/>
-              <a:buNone/>
-            </a:pPr>
-            <a:endParaRPr>
-              <a:latin typeface="Times New Roman"/>
-              <a:ea typeface="Times New Roman"/>
-              <a:cs typeface="Times New Roman"/>
-              <a:sym typeface="Times New Roman"/>
-            </a:endParaRPr>
-          </a:p>
-          <a:p>
-            <a:pPr marL="0" lvl="0" indent="0" algn="just" rtl="0">
-              <a:spcBef>
-                <a:spcPts val="1000"/>
-              </a:spcBef>
-              <a:spcAft>
-                <a:spcPts val="0"/>
-              </a:spcAft>
-              <a:buClr>
-                <a:schemeClr val="dk1"/>
-              </a:buClr>
-              <a:buSzPts val="1100"/>
-              <a:buNone/>
-            </a:pPr>
-            <a:r>
-              <a:rPr lang="en-US" b="1">
-                <a:latin typeface="Times New Roman"/>
-                <a:ea typeface="Times New Roman"/>
-                <a:cs typeface="Times New Roman"/>
-                <a:sym typeface="Times New Roman"/>
-              </a:rPr>
-              <a:t>Methodology 2:</a:t>
-            </a:r>
-            <a:r>
-              <a:rPr lang="en-US">
-                <a:latin typeface="Times New Roman"/>
-                <a:ea typeface="Times New Roman"/>
-                <a:cs typeface="Times New Roman"/>
-                <a:sym typeface="Times New Roman"/>
-              </a:rPr>
-              <a:t> Nessus</a:t>
-            </a:r>
-            <a:endParaRPr>
-              <a:latin typeface="Times New Roman"/>
-              <a:ea typeface="Times New Roman"/>
-              <a:cs typeface="Times New Roman"/>
-              <a:sym typeface="Times New Roman"/>
-            </a:endParaRPr>
-          </a:p>
-          <a:p>
-            <a:pPr marL="0" lvl="0" indent="0" algn="just" rtl="0">
-              <a:spcBef>
-                <a:spcPts val="1000"/>
-              </a:spcBef>
-              <a:spcAft>
-                <a:spcPts val="0"/>
-              </a:spcAft>
-              <a:buClr>
-                <a:schemeClr val="dk1"/>
-              </a:buClr>
-              <a:buSzPts val="1100"/>
-              <a:buNone/>
-            </a:pPr>
-            <a:r>
-              <a:rPr lang="en-US" b="1">
-                <a:latin typeface="Times New Roman"/>
-                <a:ea typeface="Times New Roman"/>
-                <a:cs typeface="Times New Roman"/>
-                <a:sym typeface="Times New Roman"/>
-              </a:rPr>
-              <a:t>How it works:</a:t>
-            </a:r>
-            <a:r>
-              <a:rPr lang="en-US">
-                <a:latin typeface="Times New Roman"/>
-                <a:ea typeface="Times New Roman"/>
-                <a:cs typeface="Times New Roman"/>
-                <a:sym typeface="Times New Roman"/>
-              </a:rPr>
-              <a:t> Enterprise-grade vulnerability scanner with a large plugin database and risk scoring.</a:t>
-            </a:r>
-            <a:endParaRPr>
-              <a:latin typeface="Times New Roman"/>
-              <a:ea typeface="Times New Roman"/>
-              <a:cs typeface="Times New Roman"/>
-              <a:sym typeface="Times New Roman"/>
-            </a:endParaRPr>
-          </a:p>
-          <a:p>
-            <a:pPr marL="0" lvl="0" indent="0" algn="just" rtl="0">
-              <a:spcBef>
-                <a:spcPts val="1000"/>
-              </a:spcBef>
-              <a:spcAft>
-                <a:spcPts val="0"/>
-              </a:spcAft>
-              <a:buClr>
-                <a:schemeClr val="dk1"/>
-              </a:buClr>
-              <a:buSzPts val="1100"/>
-              <a:buNone/>
-            </a:pPr>
-            <a:r>
-              <a:rPr lang="en-US" b="1">
+              <a:rPr lang="en-US" b="1" dirty="0">
                 <a:latin typeface="Times New Roman"/>
                 <a:ea typeface="Times New Roman"/>
                 <a:cs typeface="Times New Roman"/>
@@ -16862,7 +17034,7 @@
               <a:t>Why it's insufficient:</a:t>
             </a:r>
             <a:r>
-              <a:rPr lang="en-US">
+              <a:rPr lang="en-US" dirty="0">
                 <a:latin typeface="Times New Roman"/>
                 <a:ea typeface="Times New Roman"/>
                 <a:cs typeface="Times New Roman"/>
@@ -16870,7 +17042,7 @@
               </a:rPr>
               <a:t> High subscription cost, resource-heavy, and limited flexibility for custom protocols.</a:t>
             </a:r>
-            <a:endParaRPr b="1">
+            <a:endParaRPr b="1" dirty="0">
               <a:latin typeface="Times New Roman"/>
               <a:ea typeface="Times New Roman"/>
               <a:cs typeface="Times New Roman"/>
@@ -17516,7 +17688,7 @@
         </p:nvSpPr>
         <p:spPr>
           <a:xfrm>
-            <a:off x="838200" y="365125"/>
+            <a:off x="838200" y="115743"/>
             <a:ext cx="10515600" cy="1325563"/>
           </a:xfrm>
           <a:prstGeom prst="rect">
@@ -17551,7 +17723,7 @@
               <a:buNone/>
             </a:pPr>
             <a:r>
-              <a:rPr lang="en-US" sz="4000" b="1">
+              <a:rPr lang="en-US" sz="4000" b="1" dirty="0" smtClean="0">
                 <a:latin typeface="Times New Roman"/>
                 <a:ea typeface="Times New Roman"/>
                 <a:cs typeface="Times New Roman"/>
@@ -17559,7 +17731,7 @@
               </a:rPr>
               <a:t>Proposed Solution</a:t>
             </a:r>
-            <a:endParaRPr/>
+            <a:endParaRPr dirty="0"/>
           </a:p>
         </p:txBody>
       </p:sp>
@@ -17575,8 +17747,8 @@
         </p:nvSpPr>
         <p:spPr>
           <a:xfrm>
-            <a:off x="838200" y="1825625"/>
-            <a:ext cx="10515600" cy="4351338"/>
+            <a:off x="838200" y="1441306"/>
+            <a:ext cx="10515600" cy="5208876"/>
           </a:xfrm>
           <a:prstGeom prst="rect">
             <a:avLst/>
@@ -17588,7 +17760,7 @@
         </p:spPr>
         <p:txBody>
           <a:bodyPr spcFirstLastPara="1" wrap="square" lIns="91425" tIns="45700" rIns="91425" bIns="45700" anchor="t" anchorCtr="0">
-            <a:normAutofit fontScale="85000" lnSpcReduction="20000"/>
+            <a:normAutofit fontScale="92500" lnSpcReduction="20000"/>
           </a:bodyPr>
           <a:lstStyle/>
           <a:p>
@@ -17603,7 +17775,7 @@
               <a:buChar char="•"/>
             </a:pPr>
             <a:r>
-              <a:rPr lang="en-US">
+              <a:rPr lang="en-US" dirty="0" smtClean="0">
                 <a:latin typeface="Times New Roman"/>
                 <a:ea typeface="Times New Roman"/>
                 <a:cs typeface="Times New Roman"/>
@@ -17611,7 +17783,7 @@
               </a:rPr>
               <a:t>This project proposes to develop a lightweight, customizable, and scalable network vulnerability scanner designed to overcome the cost, complexity, and adaptability issues in existing tools.</a:t>
             </a:r>
-            <a:endParaRPr>
+            <a:endParaRPr dirty="0" smtClean="0">
               <a:latin typeface="Times New Roman"/>
               <a:ea typeface="Times New Roman"/>
               <a:cs typeface="Times New Roman"/>
@@ -17628,7 +17800,7 @@
               </a:spcAft>
               <a:buNone/>
             </a:pPr>
-            <a:endParaRPr>
+            <a:endParaRPr dirty="0" smtClean="0">
               <a:latin typeface="Times New Roman"/>
               <a:ea typeface="Times New Roman"/>
               <a:cs typeface="Times New Roman"/>
@@ -17647,7 +17819,7 @@
               <a:buChar char="•"/>
             </a:pPr>
             <a:r>
-              <a:rPr lang="en-US">
+              <a:rPr lang="en-US" dirty="0" smtClean="0">
                 <a:latin typeface="Times New Roman"/>
                 <a:ea typeface="Times New Roman"/>
                 <a:cs typeface="Times New Roman"/>
@@ -17655,7 +17827,7 @@
               </a:rPr>
               <a:t>Uses a distributed worker–coordinator model for faster and parallel scanning.</a:t>
             </a:r>
-            <a:endParaRPr>
+            <a:endParaRPr dirty="0" smtClean="0">
               <a:latin typeface="Times New Roman"/>
               <a:ea typeface="Times New Roman"/>
               <a:cs typeface="Times New Roman"/>
@@ -17672,7 +17844,7 @@
               </a:spcAft>
               <a:buNone/>
             </a:pPr>
-            <a:endParaRPr>
+            <a:endParaRPr dirty="0" smtClean="0">
               <a:latin typeface="Times New Roman"/>
               <a:ea typeface="Times New Roman"/>
               <a:cs typeface="Times New Roman"/>
@@ -17691,7 +17863,7 @@
               <a:buChar char="•"/>
             </a:pPr>
             <a:r>
-              <a:rPr lang="en-US">
+              <a:rPr lang="en-US" dirty="0" smtClean="0">
                 <a:latin typeface="Times New Roman"/>
                 <a:ea typeface="Times New Roman"/>
                 <a:cs typeface="Times New Roman"/>
@@ -17699,7 +17871,7 @@
               </a:rPr>
               <a:t>Integrates risk-based prioritization to minimize false positives and focus on critical vulnerabilities.</a:t>
             </a:r>
-            <a:endParaRPr>
+            <a:endParaRPr dirty="0" smtClean="0">
               <a:latin typeface="Times New Roman"/>
               <a:ea typeface="Times New Roman"/>
               <a:cs typeface="Times New Roman"/>
@@ -17716,7 +17888,7 @@
               </a:spcAft>
               <a:buNone/>
             </a:pPr>
-            <a:endParaRPr>
+            <a:endParaRPr dirty="0" smtClean="0">
               <a:latin typeface="Times New Roman"/>
               <a:ea typeface="Times New Roman"/>
               <a:cs typeface="Times New Roman"/>
@@ -17735,7 +17907,7 @@
               <a:buChar char="•"/>
             </a:pPr>
             <a:r>
-              <a:rPr lang="en-US">
+              <a:rPr lang="en-US" dirty="0" smtClean="0">
                 <a:latin typeface="Times New Roman"/>
                 <a:ea typeface="Times New Roman"/>
                 <a:cs typeface="Times New Roman"/>
@@ -17743,7 +17915,7 @@
               </a:rPr>
               <a:t>Supports custom protocol scanning for better adaptability in different network environments.</a:t>
             </a:r>
-            <a:endParaRPr>
+            <a:endParaRPr dirty="0" smtClean="0">
               <a:latin typeface="Times New Roman"/>
               <a:ea typeface="Times New Roman"/>
               <a:cs typeface="Times New Roman"/>
@@ -17760,7 +17932,7 @@
               </a:spcAft>
               <a:buNone/>
             </a:pPr>
-            <a:endParaRPr>
+            <a:endParaRPr dirty="0" smtClean="0">
               <a:latin typeface="Times New Roman"/>
               <a:ea typeface="Times New Roman"/>
               <a:cs typeface="Times New Roman"/>
@@ -17779,7 +17951,7 @@
               <a:buChar char="•"/>
             </a:pPr>
             <a:r>
-              <a:rPr lang="en-US">
+              <a:rPr lang="en-US" dirty="0" smtClean="0">
                 <a:latin typeface="Times New Roman"/>
                 <a:ea typeface="Times New Roman"/>
                 <a:cs typeface="Times New Roman"/>
@@ -17787,7 +17959,7 @@
               </a:rPr>
               <a:t>Offers a user-friendly interface suitable for both technical and non-technical users.</a:t>
             </a:r>
-            <a:endParaRPr>
+            <a:endParaRPr dirty="0" smtClean="0">
               <a:latin typeface="Times New Roman"/>
               <a:ea typeface="Times New Roman"/>
               <a:cs typeface="Times New Roman"/>
@@ -17804,7 +17976,7 @@
               </a:spcAft>
               <a:buNone/>
             </a:pPr>
-            <a:endParaRPr>
+            <a:endParaRPr dirty="0" smtClean="0">
               <a:latin typeface="Times New Roman"/>
               <a:ea typeface="Times New Roman"/>
               <a:cs typeface="Times New Roman"/>
@@ -17823,7 +17995,7 @@
               <a:buChar char="•"/>
             </a:pPr>
             <a:r>
-              <a:rPr lang="en-US">
+              <a:rPr lang="en-US" dirty="0" smtClean="0">
                 <a:latin typeface="Times New Roman"/>
                 <a:ea typeface="Times New Roman"/>
                 <a:cs typeface="Times New Roman"/>
@@ -17831,7 +18003,7 @@
               </a:rPr>
               <a:t>Ensures cost-effective deployment with modular and resource-efficient architecture.</a:t>
             </a:r>
-            <a:endParaRPr>
+            <a:endParaRPr dirty="0">
               <a:latin typeface="Times New Roman"/>
               <a:ea typeface="Times New Roman"/>
               <a:cs typeface="Times New Roman"/>
@@ -18778,13 +18950,19 @@
       </p:sp>
       <p:pic>
         <p:nvPicPr>
-          <p:cNvPr id="214" name="Google Shape;214;p11"/>
-          <p:cNvPicPr preferRelativeResize="0"/>
+          <p:cNvPr id="2" name="Picture 1"/>
+          <p:cNvPicPr>
+            <a:picLocks noChangeAspect="1"/>
+          </p:cNvPicPr>
           <p:nvPr/>
         </p:nvPicPr>
         <p:blipFill>
           <a:blip r:embed="rId3">
-            <a:alphaModFix/>
+            <a:extLst>
+              <a:ext uri="{28A0092B-C50C-407E-A947-70E740481C1C}">
+                <a14:useLocalDpi xmlns:a14="http://schemas.microsoft.com/office/drawing/2010/main" val="0"/>
+              </a:ext>
+            </a:extLst>
           </a:blip>
           <a:stretch>
             <a:fillRect/>
@@ -18792,22 +18970,12 @@
         </p:blipFill>
         <p:spPr>
           <a:xfrm>
-            <a:off x="1165625" y="1351000"/>
-            <a:ext cx="9226399" cy="5103650"/>
+            <a:off x="2192400" y="1270445"/>
+            <a:ext cx="7976837" cy="5178163"/>
           </a:xfrm>
           <a:prstGeom prst="rect">
             <a:avLst/>
           </a:prstGeom>
-          <a:noFill/>
-          <a:ln w="9525" cap="flat" cmpd="sng">
-            <a:solidFill>
-              <a:srgbClr val="000000"/>
-            </a:solidFill>
-            <a:prstDash val="solid"/>
-            <a:miter lim="8000"/>
-            <a:headEnd type="none" w="sm" len="sm"/>
-            <a:tailEnd type="none" w="sm" len="sm"/>
-          </a:ln>
         </p:spPr>
       </p:pic>
     </p:spTree>
@@ -19225,7 +19393,7 @@
           <p:cNvPr id="4" name="Rectangle 1">
             <a:extLst>
               <a:ext uri="{FF2B5EF4-FFF2-40B4-BE49-F238E27FC236}">
-                <a16:creationId xmlns:a16="http://schemas.microsoft.com/office/drawing/2014/main" id="{09DEDE5D-BFAD-D689-3E45-0A547545A78D}"/>
+                <a16:creationId xmlns="" xmlns:a16="http://schemas.microsoft.com/office/drawing/2014/main" id="{09DEDE5D-BFAD-D689-3E45-0A547545A78D}"/>
               </a:ext>
             </a:extLst>
           </p:cNvPr>
@@ -20443,133 +20611,133 @@
                 <a:gridCol w="399700">
                   <a:extLst>
                     <a:ext uri="{9D8B030D-6E8A-4147-A177-3AD203B41FA5}">
-                      <a16:colId xmlns:a16="http://schemas.microsoft.com/office/drawing/2014/main" val="20000"/>
+                      <a16:colId xmlns="" xmlns:a16="http://schemas.microsoft.com/office/drawing/2014/main" val="20000"/>
                     </a:ext>
                   </a:extLst>
                 </a:gridCol>
                 <a:gridCol w="1597625">
                   <a:extLst>
                     <a:ext uri="{9D8B030D-6E8A-4147-A177-3AD203B41FA5}">
-                      <a16:colId xmlns:a16="http://schemas.microsoft.com/office/drawing/2014/main" val="20001"/>
+                      <a16:colId xmlns="" xmlns:a16="http://schemas.microsoft.com/office/drawing/2014/main" val="20001"/>
                     </a:ext>
                   </a:extLst>
                 </a:gridCol>
                 <a:gridCol w="831275">
                   <a:extLst>
                     <a:ext uri="{9D8B030D-6E8A-4147-A177-3AD203B41FA5}">
-                      <a16:colId xmlns:a16="http://schemas.microsoft.com/office/drawing/2014/main" val="20002"/>
+                      <a16:colId xmlns="" xmlns:a16="http://schemas.microsoft.com/office/drawing/2014/main" val="20002"/>
                     </a:ext>
                   </a:extLst>
                 </a:gridCol>
                 <a:gridCol w="766850">
                   <a:extLst>
                     <a:ext uri="{9D8B030D-6E8A-4147-A177-3AD203B41FA5}">
-                      <a16:colId xmlns:a16="http://schemas.microsoft.com/office/drawing/2014/main" val="20003"/>
+                      <a16:colId xmlns="" xmlns:a16="http://schemas.microsoft.com/office/drawing/2014/main" val="20003"/>
                     </a:ext>
                   </a:extLst>
                 </a:gridCol>
                 <a:gridCol w="824450">
                   <a:extLst>
                     <a:ext uri="{9D8B030D-6E8A-4147-A177-3AD203B41FA5}">
-                      <a16:colId xmlns:a16="http://schemas.microsoft.com/office/drawing/2014/main" val="20004"/>
+                      <a16:colId xmlns="" xmlns:a16="http://schemas.microsoft.com/office/drawing/2014/main" val="20004"/>
                     </a:ext>
                   </a:extLst>
                 </a:gridCol>
                 <a:gridCol w="473675">
                   <a:extLst>
                     <a:ext uri="{9D8B030D-6E8A-4147-A177-3AD203B41FA5}">
-                      <a16:colId xmlns:a16="http://schemas.microsoft.com/office/drawing/2014/main" val="20005"/>
+                      <a16:colId xmlns="" xmlns:a16="http://schemas.microsoft.com/office/drawing/2014/main" val="20005"/>
                     </a:ext>
                   </a:extLst>
                 </a:gridCol>
                 <a:gridCol w="473675">
                   <a:extLst>
                     <a:ext uri="{9D8B030D-6E8A-4147-A177-3AD203B41FA5}">
-                      <a16:colId xmlns:a16="http://schemas.microsoft.com/office/drawing/2014/main" val="20006"/>
+                      <a16:colId xmlns="" xmlns:a16="http://schemas.microsoft.com/office/drawing/2014/main" val="20006"/>
                     </a:ext>
                   </a:extLst>
                 </a:gridCol>
                 <a:gridCol w="473675">
                   <a:extLst>
                     <a:ext uri="{9D8B030D-6E8A-4147-A177-3AD203B41FA5}">
-                      <a16:colId xmlns:a16="http://schemas.microsoft.com/office/drawing/2014/main" val="20007"/>
+                      <a16:colId xmlns="" xmlns:a16="http://schemas.microsoft.com/office/drawing/2014/main" val="20007"/>
                     </a:ext>
                   </a:extLst>
                 </a:gridCol>
                 <a:gridCol w="473675">
                   <a:extLst>
                     <a:ext uri="{9D8B030D-6E8A-4147-A177-3AD203B41FA5}">
-                      <a16:colId xmlns:a16="http://schemas.microsoft.com/office/drawing/2014/main" val="20008"/>
+                      <a16:colId xmlns="" xmlns:a16="http://schemas.microsoft.com/office/drawing/2014/main" val="20008"/>
                     </a:ext>
                   </a:extLst>
                 </a:gridCol>
                 <a:gridCol w="473675">
                   <a:extLst>
                     <a:ext uri="{9D8B030D-6E8A-4147-A177-3AD203B41FA5}">
-                      <a16:colId xmlns:a16="http://schemas.microsoft.com/office/drawing/2014/main" val="20009"/>
+                      <a16:colId xmlns="" xmlns:a16="http://schemas.microsoft.com/office/drawing/2014/main" val="20009"/>
                     </a:ext>
                   </a:extLst>
                 </a:gridCol>
                 <a:gridCol w="473675">
                   <a:extLst>
                     <a:ext uri="{9D8B030D-6E8A-4147-A177-3AD203B41FA5}">
-                      <a16:colId xmlns:a16="http://schemas.microsoft.com/office/drawing/2014/main" val="20010"/>
+                      <a16:colId xmlns="" xmlns:a16="http://schemas.microsoft.com/office/drawing/2014/main" val="20010"/>
                     </a:ext>
                   </a:extLst>
                 </a:gridCol>
                 <a:gridCol w="473675">
                   <a:extLst>
                     <a:ext uri="{9D8B030D-6E8A-4147-A177-3AD203B41FA5}">
-                      <a16:colId xmlns:a16="http://schemas.microsoft.com/office/drawing/2014/main" val="20011"/>
+                      <a16:colId xmlns="" xmlns:a16="http://schemas.microsoft.com/office/drawing/2014/main" val="20011"/>
                     </a:ext>
                   </a:extLst>
                 </a:gridCol>
                 <a:gridCol w="473675">
                   <a:extLst>
                     <a:ext uri="{9D8B030D-6E8A-4147-A177-3AD203B41FA5}">
-                      <a16:colId xmlns:a16="http://schemas.microsoft.com/office/drawing/2014/main" val="20012"/>
+                      <a16:colId xmlns="" xmlns:a16="http://schemas.microsoft.com/office/drawing/2014/main" val="20012"/>
                     </a:ext>
                   </a:extLst>
                 </a:gridCol>
                 <a:gridCol w="473675">
                   <a:extLst>
                     <a:ext uri="{9D8B030D-6E8A-4147-A177-3AD203B41FA5}">
-                      <a16:colId xmlns:a16="http://schemas.microsoft.com/office/drawing/2014/main" val="20013"/>
+                      <a16:colId xmlns="" xmlns:a16="http://schemas.microsoft.com/office/drawing/2014/main" val="20013"/>
                     </a:ext>
                   </a:extLst>
                 </a:gridCol>
                 <a:gridCol w="473675">
                   <a:extLst>
                     <a:ext uri="{9D8B030D-6E8A-4147-A177-3AD203B41FA5}">
-                      <a16:colId xmlns:a16="http://schemas.microsoft.com/office/drawing/2014/main" val="20014"/>
+                      <a16:colId xmlns="" xmlns:a16="http://schemas.microsoft.com/office/drawing/2014/main" val="20014"/>
                     </a:ext>
                   </a:extLst>
                 </a:gridCol>
                 <a:gridCol w="473675">
                   <a:extLst>
                     <a:ext uri="{9D8B030D-6E8A-4147-A177-3AD203B41FA5}">
-                      <a16:colId xmlns:a16="http://schemas.microsoft.com/office/drawing/2014/main" val="20015"/>
+                      <a16:colId xmlns="" xmlns:a16="http://schemas.microsoft.com/office/drawing/2014/main" val="20015"/>
                     </a:ext>
                   </a:extLst>
                 </a:gridCol>
                 <a:gridCol w="473675">
                   <a:extLst>
                     <a:ext uri="{9D8B030D-6E8A-4147-A177-3AD203B41FA5}">
-                      <a16:colId xmlns:a16="http://schemas.microsoft.com/office/drawing/2014/main" val="20016"/>
+                      <a16:colId xmlns="" xmlns:a16="http://schemas.microsoft.com/office/drawing/2014/main" val="20016"/>
                     </a:ext>
                   </a:extLst>
                 </a:gridCol>
                 <a:gridCol w="473675">
                   <a:extLst>
                     <a:ext uri="{9D8B030D-6E8A-4147-A177-3AD203B41FA5}">
-                      <a16:colId xmlns:a16="http://schemas.microsoft.com/office/drawing/2014/main" val="20017"/>
+                      <a16:colId xmlns="" xmlns:a16="http://schemas.microsoft.com/office/drawing/2014/main" val="20017"/>
                     </a:ext>
                   </a:extLst>
                 </a:gridCol>
                 <a:gridCol w="473675">
                   <a:extLst>
                     <a:ext uri="{9D8B030D-6E8A-4147-A177-3AD203B41FA5}">
-                      <a16:colId xmlns:a16="http://schemas.microsoft.com/office/drawing/2014/main" val="20018"/>
+                      <a16:colId xmlns="" xmlns:a16="http://schemas.microsoft.com/office/drawing/2014/main" val="20018"/>
                     </a:ext>
                   </a:extLst>
                 </a:gridCol>
@@ -21207,7 +21375,7 @@
                 </a:tc>
                 <a:extLst>
                   <a:ext uri="{0D108BD9-81ED-4DB2-BD59-A6C34878D82A}">
-                    <a16:rowId xmlns:a16="http://schemas.microsoft.com/office/drawing/2014/main" val="10000"/>
+                    <a16:rowId xmlns="" xmlns:a16="http://schemas.microsoft.com/office/drawing/2014/main" val="10000"/>
                   </a:ext>
                 </a:extLst>
               </a:tr>
@@ -22328,7 +22496,7 @@
                 </a:tc>
                 <a:extLst>
                   <a:ext uri="{0D108BD9-81ED-4DB2-BD59-A6C34878D82A}">
-                    <a16:rowId xmlns:a16="http://schemas.microsoft.com/office/drawing/2014/main" val="10001"/>
+                    <a16:rowId xmlns="" xmlns:a16="http://schemas.microsoft.com/office/drawing/2014/main" val="10001"/>
                   </a:ext>
                 </a:extLst>
               </a:tr>
@@ -23809,7 +23977,7 @@
                 </a:tc>
                 <a:extLst>
                   <a:ext uri="{0D108BD9-81ED-4DB2-BD59-A6C34878D82A}">
-                    <a16:rowId xmlns:a16="http://schemas.microsoft.com/office/drawing/2014/main" val="10002"/>
+                    <a16:rowId xmlns="" xmlns:a16="http://schemas.microsoft.com/office/drawing/2014/main" val="10002"/>
                   </a:ext>
                 </a:extLst>
               </a:tr>
@@ -25318,7 +25486,7 @@
                 </a:tc>
                 <a:extLst>
                   <a:ext uri="{0D108BD9-81ED-4DB2-BD59-A6C34878D82A}">
-                    <a16:rowId xmlns:a16="http://schemas.microsoft.com/office/drawing/2014/main" val="10003"/>
+                    <a16:rowId xmlns="" xmlns:a16="http://schemas.microsoft.com/office/drawing/2014/main" val="10003"/>
                   </a:ext>
                 </a:extLst>
               </a:tr>
@@ -26834,7 +27002,7 @@
                 </a:tc>
                 <a:extLst>
                   <a:ext uri="{0D108BD9-81ED-4DB2-BD59-A6C34878D82A}">
-                    <a16:rowId xmlns:a16="http://schemas.microsoft.com/office/drawing/2014/main" val="10004"/>
+                    <a16:rowId xmlns="" xmlns:a16="http://schemas.microsoft.com/office/drawing/2014/main" val="10004"/>
                   </a:ext>
                 </a:extLst>
               </a:tr>
@@ -28348,7 +28516,7 @@
                 </a:tc>
                 <a:extLst>
                   <a:ext uri="{0D108BD9-81ED-4DB2-BD59-A6C34878D82A}">
-                    <a16:rowId xmlns:a16="http://schemas.microsoft.com/office/drawing/2014/main" val="10005"/>
+                    <a16:rowId xmlns="" xmlns:a16="http://schemas.microsoft.com/office/drawing/2014/main" val="10005"/>
                   </a:ext>
                 </a:extLst>
               </a:tr>
@@ -29825,7 +29993,7 @@
                 </a:tc>
                 <a:extLst>
                   <a:ext uri="{0D108BD9-81ED-4DB2-BD59-A6C34878D82A}">
-                    <a16:rowId xmlns:a16="http://schemas.microsoft.com/office/drawing/2014/main" val="10006"/>
+                    <a16:rowId xmlns="" xmlns:a16="http://schemas.microsoft.com/office/drawing/2014/main" val="10006"/>
                   </a:ext>
                 </a:extLst>
               </a:tr>
@@ -31335,7 +31503,7 @@
                 </a:tc>
                 <a:extLst>
                   <a:ext uri="{0D108BD9-81ED-4DB2-BD59-A6C34878D82A}">
-                    <a16:rowId xmlns:a16="http://schemas.microsoft.com/office/drawing/2014/main" val="10007"/>
+                    <a16:rowId xmlns="" xmlns:a16="http://schemas.microsoft.com/office/drawing/2014/main" val="10007"/>
                   </a:ext>
                 </a:extLst>
               </a:tr>
@@ -32878,7 +33046,7 @@
                 </a:tc>
                 <a:extLst>
                   <a:ext uri="{0D108BD9-81ED-4DB2-BD59-A6C34878D82A}">
-                    <a16:rowId xmlns:a16="http://schemas.microsoft.com/office/drawing/2014/main" val="10008"/>
+                    <a16:rowId xmlns="" xmlns:a16="http://schemas.microsoft.com/office/drawing/2014/main" val="10008"/>
                   </a:ext>
                 </a:extLst>
               </a:tr>
@@ -34437,7 +34605,7 @@
                 </a:tc>
                 <a:extLst>
                   <a:ext uri="{0D108BD9-81ED-4DB2-BD59-A6C34878D82A}">
-                    <a16:rowId xmlns:a16="http://schemas.microsoft.com/office/drawing/2014/main" val="10009"/>
+                    <a16:rowId xmlns="" xmlns:a16="http://schemas.microsoft.com/office/drawing/2014/main" val="10009"/>
                   </a:ext>
                 </a:extLst>
               </a:tr>
@@ -36560,7 +36728,25 @@
                 <a:cs typeface="Times New Roman"/>
                 <a:sym typeface="Times New Roman"/>
               </a:rPr>
-              <a:t>Uses severity scoring + asset criticality mapping to rank vulnerabilities.</a:t>
+              <a:t>Uses severity scoring </a:t>
+            </a:r>
+            <a:r>
+              <a:rPr lang="en-US" dirty="0" smtClean="0">
+                <a:latin typeface="Times New Roman"/>
+                <a:ea typeface="Times New Roman"/>
+                <a:cs typeface="Times New Roman"/>
+                <a:sym typeface="Times New Roman"/>
+              </a:rPr>
+              <a:t>asset </a:t>
+            </a:r>
+            <a:r>
+              <a:rPr lang="en-US" dirty="0">
+                <a:latin typeface="Times New Roman"/>
+                <a:ea typeface="Times New Roman"/>
+                <a:cs typeface="Times New Roman"/>
+                <a:sym typeface="Times New Roman"/>
+              </a:rPr>
+              <a:t>criticality mapping to rank vulnerabilities.</a:t>
             </a:r>
             <a:endParaRPr dirty="0">
               <a:latin typeface="Times New Roman"/>

--- a/Stage-1_Project_Review-2.pptx
+++ b/Stage-1_Project_Review-2.pptx
@@ -20761,7 +20761,7 @@
                         <a:buNone/>
                       </a:pPr>
                       <a:r>
-                        <a:rPr lang="en-US" sz="1400" u="none" strike="noStrike" cap="none">
+                        <a:rPr lang="en-US" sz="1400" u="none" strike="noStrike" cap="none" dirty="0">
                           <a:solidFill>
                             <a:schemeClr val="dk1"/>
                           </a:solidFill>
@@ -20772,7 +20772,7 @@
                         </a:rPr>
                         <a:t>TASK ID</a:t>
                       </a:r>
-                      <a:endParaRPr/>
+                      <a:endParaRPr dirty="0"/>
                     </a:p>
                   </a:txBody>
                   <a:tcPr marL="91450" marR="0" marT="45725" marB="45725" anchor="ctr">
@@ -26192,7 +26192,7 @@
                         <a:buNone/>
                       </a:pPr>
                       <a:r>
-                        <a:rPr lang="en-US" sz="2400" b="0" i="0" u="none" strike="noStrike" cap="none">
+                        <a:rPr lang="en-US" sz="2400" b="0" i="0" u="none" strike="noStrike" cap="none" dirty="0">
                           <a:solidFill>
                             <a:srgbClr val="000000"/>
                           </a:solidFill>
@@ -26203,7 +26203,7 @@
                         </a:rPr>
                         <a:t>✔</a:t>
                       </a:r>
-                      <a:endParaRPr sz="2400" b="0" i="0" u="none" strike="noStrike" cap="none">
+                      <a:endParaRPr sz="2400" b="0" i="0" u="none" strike="noStrike" cap="none" dirty="0">
                         <a:solidFill>
                           <a:srgbClr val="000000"/>
                         </a:solidFill>
@@ -30243,7 +30243,7 @@
                         <a:buNone/>
                       </a:pPr>
                       <a:r>
-                        <a:rPr lang="en-US" sz="1600">
+                        <a:rPr lang="en-US" sz="1600" dirty="0">
                           <a:latin typeface="Century Gothic"/>
                           <a:ea typeface="Century Gothic"/>
                           <a:cs typeface="Century Gothic"/>
@@ -30251,7 +30251,7 @@
                         </a:rPr>
                         <a:t>25/09</a:t>
                       </a:r>
-                      <a:endParaRPr sz="1600">
+                      <a:endParaRPr sz="1600" dirty="0">
                         <a:solidFill>
                           <a:schemeClr val="dk1"/>
                         </a:solidFill>
